--- a/presentations/lecture-presentation-template.pptx
+++ b/presentations/lecture-presentation-template.pptx
@@ -3235,7 +3235,7 @@
             </a:pPr>
             <a:r>
               <a:rPr/>
-              <a:t>2019-09-12</a:t>
+              <a:t>2019-11-03</a:t>
             </a:r>
           </a:p>
         </p:txBody>
